--- a/docs/songs/glorious day.pptx
+++ b/docs/songs/glorious day.pptx
@@ -311,7 +311,7 @@
             <a:fld id="{26EA1CF3-4A15-4CBF-9A5A-6A56C368BE71}" type="datetimeFigureOut">
               <a:rPr lang="en-GB" smtClean="0"/>
               <a:pPr/>
-              <a:t>03/10/2022</a:t>
+              <a:t>17/06/2024</a:t>
             </a:fld>
             <a:endParaRPr lang="en-GB"/>
           </a:p>
@@ -478,7 +478,7 @@
             <a:fld id="{26EA1CF3-4A15-4CBF-9A5A-6A56C368BE71}" type="datetimeFigureOut">
               <a:rPr lang="en-GB" smtClean="0"/>
               <a:pPr/>
-              <a:t>03/10/2022</a:t>
+              <a:t>17/06/2024</a:t>
             </a:fld>
             <a:endParaRPr lang="en-GB"/>
           </a:p>
@@ -655,7 +655,7 @@
             <a:fld id="{26EA1CF3-4A15-4CBF-9A5A-6A56C368BE71}" type="datetimeFigureOut">
               <a:rPr lang="en-GB" smtClean="0"/>
               <a:pPr/>
-              <a:t>03/10/2022</a:t>
+              <a:t>17/06/2024</a:t>
             </a:fld>
             <a:endParaRPr lang="en-GB"/>
           </a:p>
@@ -822,7 +822,7 @@
             <a:fld id="{26EA1CF3-4A15-4CBF-9A5A-6A56C368BE71}" type="datetimeFigureOut">
               <a:rPr lang="en-GB" smtClean="0"/>
               <a:pPr/>
-              <a:t>03/10/2022</a:t>
+              <a:t>17/06/2024</a:t>
             </a:fld>
             <a:endParaRPr lang="en-GB"/>
           </a:p>
@@ -1065,7 +1065,7 @@
             <a:fld id="{26EA1CF3-4A15-4CBF-9A5A-6A56C368BE71}" type="datetimeFigureOut">
               <a:rPr lang="en-GB" smtClean="0"/>
               <a:pPr/>
-              <a:t>03/10/2022</a:t>
+              <a:t>17/06/2024</a:t>
             </a:fld>
             <a:endParaRPr lang="en-GB"/>
           </a:p>
@@ -1350,7 +1350,7 @@
             <a:fld id="{26EA1CF3-4A15-4CBF-9A5A-6A56C368BE71}" type="datetimeFigureOut">
               <a:rPr lang="en-GB" smtClean="0"/>
               <a:pPr/>
-              <a:t>03/10/2022</a:t>
+              <a:t>17/06/2024</a:t>
             </a:fld>
             <a:endParaRPr lang="en-GB"/>
           </a:p>
@@ -1769,7 +1769,7 @@
             <a:fld id="{26EA1CF3-4A15-4CBF-9A5A-6A56C368BE71}" type="datetimeFigureOut">
               <a:rPr lang="en-GB" smtClean="0"/>
               <a:pPr/>
-              <a:t>03/10/2022</a:t>
+              <a:t>17/06/2024</a:t>
             </a:fld>
             <a:endParaRPr lang="en-GB"/>
           </a:p>
@@ -1884,7 +1884,7 @@
             <a:fld id="{26EA1CF3-4A15-4CBF-9A5A-6A56C368BE71}" type="datetimeFigureOut">
               <a:rPr lang="en-GB" smtClean="0"/>
               <a:pPr/>
-              <a:t>03/10/2022</a:t>
+              <a:t>17/06/2024</a:t>
             </a:fld>
             <a:endParaRPr lang="en-GB"/>
           </a:p>
@@ -1976,7 +1976,7 @@
             <a:fld id="{26EA1CF3-4A15-4CBF-9A5A-6A56C368BE71}" type="datetimeFigureOut">
               <a:rPr lang="en-GB" smtClean="0"/>
               <a:pPr/>
-              <a:t>03/10/2022</a:t>
+              <a:t>17/06/2024</a:t>
             </a:fld>
             <a:endParaRPr lang="en-GB"/>
           </a:p>
@@ -2250,7 +2250,7 @@
             <a:fld id="{26EA1CF3-4A15-4CBF-9A5A-6A56C368BE71}" type="datetimeFigureOut">
               <a:rPr lang="en-GB" smtClean="0"/>
               <a:pPr/>
-              <a:t>03/10/2022</a:t>
+              <a:t>17/06/2024</a:t>
             </a:fld>
             <a:endParaRPr lang="en-GB"/>
           </a:p>
@@ -2500,7 +2500,7 @@
             <a:fld id="{26EA1CF3-4A15-4CBF-9A5A-6A56C368BE71}" type="datetimeFigureOut">
               <a:rPr lang="en-GB" smtClean="0"/>
               <a:pPr/>
-              <a:t>03/10/2022</a:t>
+              <a:t>17/06/2024</a:t>
             </a:fld>
             <a:endParaRPr lang="en-GB"/>
           </a:p>
@@ -2713,7 +2713,7 @@
             <a:fld id="{26EA1CF3-4A15-4CBF-9A5A-6A56C368BE71}" type="datetimeFigureOut">
               <a:rPr lang="en-GB" smtClean="0"/>
               <a:pPr/>
-              <a:t>03/10/2022</a:t>
+              <a:t>17/06/2024</a:t>
             </a:fld>
             <a:endParaRPr lang="en-GB"/>
           </a:p>
@@ -3358,7 +3358,7 @@
         </p:nvSpPr>
         <p:spPr>
           <a:xfrm>
-            <a:off x="323528" y="188640"/>
+            <a:off x="251520" y="764704"/>
             <a:ext cx="8640960" cy="6480720"/>
           </a:xfrm>
         </p:spPr>
@@ -3369,7 +3369,7 @@
           <a:lstStyle/>
           <a:p>
             <a:r>
-              <a:rPr lang="en-GB" sz="4800" dirty="0">
+              <a:rPr lang="en-GB" sz="4400" dirty="0">
                 <a:solidFill>
                   <a:schemeClr val="bg1"/>
                 </a:solidFill>
@@ -3379,7 +3379,7 @@
           </a:p>
           <a:p>
             <a:r>
-              <a:rPr lang="en-GB" sz="4800" dirty="0">
+              <a:rPr lang="en-GB" sz="4400" dirty="0">
                 <a:solidFill>
                   <a:schemeClr val="bg1"/>
                 </a:solidFill>
@@ -3389,7 +3389,7 @@
           </a:p>
           <a:p>
             <a:r>
-              <a:rPr lang="en-GB" sz="4800" dirty="0">
+              <a:rPr lang="en-GB" sz="4400" dirty="0">
                 <a:solidFill>
                   <a:schemeClr val="bg1"/>
                 </a:solidFill>
@@ -3474,7 +3474,7 @@
         </p:nvSpPr>
         <p:spPr>
           <a:xfrm>
-            <a:off x="323528" y="188640"/>
+            <a:off x="323528" y="764704"/>
             <a:ext cx="8640960" cy="6480720"/>
           </a:xfrm>
         </p:spPr>
@@ -3485,7 +3485,7 @@
           <a:lstStyle/>
           <a:p>
             <a:r>
-              <a:rPr lang="en-GB" sz="4800" dirty="0">
+              <a:rPr lang="en-GB" sz="4400" dirty="0">
                 <a:solidFill>
                   <a:schemeClr val="bg1"/>
                 </a:solidFill>
@@ -3495,7 +3495,7 @@
           </a:p>
           <a:p>
             <a:r>
-              <a:rPr lang="en-GB" sz="4800" dirty="0">
+              <a:rPr lang="en-GB" sz="4400" dirty="0">
                 <a:solidFill>
                   <a:schemeClr val="bg1"/>
                 </a:solidFill>
@@ -3505,7 +3505,7 @@
           </a:p>
           <a:p>
             <a:r>
-              <a:rPr lang="en-GB" sz="4800" dirty="0">
+              <a:rPr lang="en-GB" sz="4400" dirty="0">
                 <a:solidFill>
                   <a:schemeClr val="bg1"/>
                 </a:solidFill>
@@ -3590,7 +3590,7 @@
         </p:nvSpPr>
         <p:spPr>
           <a:xfrm>
-            <a:off x="107504" y="188640"/>
+            <a:off x="143508" y="764704"/>
             <a:ext cx="8856984" cy="6480720"/>
           </a:xfrm>
         </p:spPr>
@@ -3742,7 +3742,7 @@
         </p:nvSpPr>
         <p:spPr>
           <a:xfrm>
-            <a:off x="323528" y="188640"/>
+            <a:off x="251520" y="764704"/>
             <a:ext cx="8640960" cy="6480720"/>
           </a:xfrm>
         </p:spPr>
@@ -3753,7 +3753,7 @@
           <a:lstStyle/>
           <a:p>
             <a:r>
-              <a:rPr lang="en-GB" sz="4800" dirty="0">
+              <a:rPr lang="en-GB" sz="4400" dirty="0">
                 <a:solidFill>
                   <a:schemeClr val="bg1"/>
                 </a:solidFill>
@@ -3763,7 +3763,7 @@
           </a:p>
           <a:p>
             <a:r>
-              <a:rPr lang="en-GB" sz="4800" dirty="0">
+              <a:rPr lang="en-GB" sz="4400" dirty="0">
                 <a:solidFill>
                   <a:schemeClr val="bg1"/>
                 </a:solidFill>
@@ -3773,7 +3773,7 @@
           </a:p>
           <a:p>
             <a:r>
-              <a:rPr lang="en-GB" sz="4800" dirty="0">
+              <a:rPr lang="en-GB" sz="4400" dirty="0">
                 <a:solidFill>
                   <a:schemeClr val="bg1"/>
                 </a:solidFill>
@@ -3858,7 +3858,7 @@
         </p:nvSpPr>
         <p:spPr>
           <a:xfrm>
-            <a:off x="323528" y="188640"/>
+            <a:off x="251520" y="836712"/>
             <a:ext cx="8640960" cy="6480720"/>
           </a:xfrm>
         </p:spPr>
@@ -3869,7 +3869,7 @@
           <a:lstStyle/>
           <a:p>
             <a:r>
-              <a:rPr lang="en-GB" sz="4000" dirty="0">
+              <a:rPr lang="en-GB" sz="3600" dirty="0">
                 <a:solidFill>
                   <a:schemeClr val="bg1"/>
                 </a:solidFill>
@@ -3879,7 +3879,7 @@
           </a:p>
           <a:p>
             <a:r>
-              <a:rPr lang="en-GB" sz="4000" dirty="0">
+              <a:rPr lang="en-GB" sz="3600" dirty="0">
                 <a:solidFill>
                   <a:schemeClr val="bg1"/>
                 </a:solidFill>
@@ -3889,7 +3889,7 @@
           </a:p>
           <a:p>
             <a:r>
-              <a:rPr lang="en-GB" sz="4000" dirty="0">
+              <a:rPr lang="en-GB" sz="3600" dirty="0">
                 <a:solidFill>
                   <a:schemeClr val="bg1"/>
                 </a:solidFill>
@@ -3899,7 +3899,7 @@
           </a:p>
           <a:p>
             <a:r>
-              <a:rPr lang="en-GB" sz="4000" dirty="0">
+              <a:rPr lang="en-GB" sz="3600" dirty="0">
                 <a:solidFill>
                   <a:schemeClr val="bg1"/>
                 </a:solidFill>
@@ -3909,7 +3909,7 @@
           </a:p>
           <a:p>
             <a:r>
-              <a:rPr lang="en-GB" sz="4000" dirty="0">
+              <a:rPr lang="en-GB" sz="3600" dirty="0">
                 <a:solidFill>
                   <a:schemeClr val="bg1"/>
                 </a:solidFill>
@@ -3919,7 +3919,7 @@
           </a:p>
           <a:p>
             <a:r>
-              <a:rPr lang="en-GB" sz="4000" dirty="0">
+              <a:rPr lang="en-GB" sz="3600" dirty="0">
                 <a:solidFill>
                   <a:schemeClr val="bg1"/>
                 </a:solidFill>
@@ -3929,7 +3929,7 @@
           </a:p>
           <a:p>
             <a:r>
-              <a:rPr lang="en-GB" sz="4000" dirty="0">
+              <a:rPr lang="en-GB" sz="3600" dirty="0">
                 <a:solidFill>
                   <a:schemeClr val="bg1"/>
                 </a:solidFill>
@@ -4014,7 +4014,7 @@
         </p:nvSpPr>
         <p:spPr>
           <a:xfrm>
-            <a:off x="107504" y="188640"/>
+            <a:off x="143508" y="692696"/>
             <a:ext cx="8856984" cy="6480720"/>
           </a:xfrm>
         </p:spPr>
